--- a/Presentation_Slides.pptx
+++ b/Presentation_Slides.pptx
@@ -8327,7 +8327,7 @@
                   <a:schemeClr val="dk1"/>
                 </a:solidFill>
               </a:rPr>
-              <a:t>main.py </a:t>
+              <a:t>app.py </a:t>
             </a:r>
             <a:endParaRPr b="1">
               <a:solidFill>
